--- a/Презентация.pptx
+++ b/Презентация.pptx
@@ -772,7 +772,7 @@
           <a:p>
             <a:fld id="{B4C71EC6-210F-42DE-9C53-41977AD35B3D}" type="datetimeFigureOut">
               <a:rPr lang="ru-RU" smtClean="0"/>
-              <a:t>08.11.2019</a:t>
+              <a:t>11.11.2019</a:t>
             </a:fld>
             <a:endParaRPr lang="ru-RU"/>
           </a:p>
@@ -955,7 +955,7 @@
           <a:p>
             <a:fld id="{B4C71EC6-210F-42DE-9C53-41977AD35B3D}" type="datetimeFigureOut">
               <a:rPr lang="ru-RU" smtClean="0"/>
-              <a:t>08.11.2019</a:t>
+              <a:t>11.11.2019</a:t>
             </a:fld>
             <a:endParaRPr lang="ru-RU"/>
           </a:p>
@@ -1130,7 +1130,7 @@
           <a:p>
             <a:fld id="{B4C71EC6-210F-42DE-9C53-41977AD35B3D}" type="datetimeFigureOut">
               <a:rPr lang="ru-RU" smtClean="0"/>
-              <a:t>08.11.2019</a:t>
+              <a:t>11.11.2019</a:t>
             </a:fld>
             <a:endParaRPr lang="ru-RU"/>
           </a:p>
@@ -1295,7 +1295,7 @@
           <a:p>
             <a:fld id="{B4C71EC6-210F-42DE-9C53-41977AD35B3D}" type="datetimeFigureOut">
               <a:rPr lang="ru-RU" smtClean="0"/>
-              <a:t>08.11.2019</a:t>
+              <a:t>11.11.2019</a:t>
             </a:fld>
             <a:endParaRPr lang="ru-RU"/>
           </a:p>
@@ -1516,7 +1516,7 @@
           <a:p>
             <a:fld id="{B4C71EC6-210F-42DE-9C53-41977AD35B3D}" type="datetimeFigureOut">
               <a:rPr lang="ru-RU" smtClean="0"/>
-              <a:t>08.11.2019</a:t>
+              <a:t>11.11.2019</a:t>
             </a:fld>
             <a:endParaRPr lang="ru-RU"/>
           </a:p>
@@ -1775,7 +1775,7 @@
           <a:p>
             <a:fld id="{B4C71EC6-210F-42DE-9C53-41977AD35B3D}" type="datetimeFigureOut">
               <a:rPr lang="ru-RU" smtClean="0"/>
-              <a:t>08.11.2019</a:t>
+              <a:t>11.11.2019</a:t>
             </a:fld>
             <a:endParaRPr lang="ru-RU"/>
           </a:p>
@@ -2179,7 +2179,7 @@
           <a:p>
             <a:fld id="{B4C71EC6-210F-42DE-9C53-41977AD35B3D}" type="datetimeFigureOut">
               <a:rPr lang="ru-RU" smtClean="0"/>
-              <a:t>08.11.2019</a:t>
+              <a:t>11.11.2019</a:t>
             </a:fld>
             <a:endParaRPr lang="ru-RU"/>
           </a:p>
@@ -2310,7 +2310,7 @@
           <a:p>
             <a:fld id="{B4C71EC6-210F-42DE-9C53-41977AD35B3D}" type="datetimeFigureOut">
               <a:rPr lang="ru-RU" smtClean="0"/>
-              <a:t>08.11.2019</a:t>
+              <a:t>11.11.2019</a:t>
             </a:fld>
             <a:endParaRPr lang="ru-RU"/>
           </a:p>
@@ -2410,7 +2410,7 @@
           <a:p>
             <a:fld id="{B4C71EC6-210F-42DE-9C53-41977AD35B3D}" type="datetimeFigureOut">
               <a:rPr lang="ru-RU" smtClean="0"/>
-              <a:t>08.11.2019</a:t>
+              <a:t>11.11.2019</a:t>
             </a:fld>
             <a:endParaRPr lang="ru-RU"/>
           </a:p>
@@ -2655,7 +2655,7 @@
           <a:p>
             <a:fld id="{B4C71EC6-210F-42DE-9C53-41977AD35B3D}" type="datetimeFigureOut">
               <a:rPr lang="ru-RU" smtClean="0"/>
-              <a:t>08.11.2019</a:t>
+              <a:t>11.11.2019</a:t>
             </a:fld>
             <a:endParaRPr lang="ru-RU"/>
           </a:p>
@@ -2899,7 +2899,7 @@
           <a:p>
             <a:fld id="{B4C71EC6-210F-42DE-9C53-41977AD35B3D}" type="datetimeFigureOut">
               <a:rPr lang="ru-RU" smtClean="0"/>
-              <a:t>08.11.2019</a:t>
+              <a:t>11.11.2019</a:t>
             </a:fld>
             <a:endParaRPr lang="ru-RU"/>
           </a:p>
@@ -3723,7 +3723,7 @@
           <a:p>
             <a:fld id="{B4C71EC6-210F-42DE-9C53-41977AD35B3D}" type="datetimeFigureOut">
               <a:rPr lang="ru-RU" smtClean="0"/>
-              <a:t>08.11.2019</a:t>
+              <a:t>11.11.2019</a:t>
             </a:fld>
             <a:endParaRPr lang="ru-RU"/>
           </a:p>
@@ -4355,7 +4355,7 @@
             </a:r>
             <a:r>
               <a:rPr lang="ru-RU" sz="2000" dirty="0" smtClean="0"/>
-              <a:t>Также необходимо сделать несколько режимов, для разных уровней сложности</a:t>
+              <a:t>Также необходимо сделать несколько режимов, для разных уровней сложности.</a:t>
             </a:r>
             <a:endParaRPr lang="ru-RU" sz="2000" dirty="0"/>
           </a:p>
@@ -4520,7 +4520,7 @@
       </p:sp>
       <p:pic>
         <p:nvPicPr>
-          <p:cNvPr id="2052" name="Picture 4"/>
+          <p:cNvPr id="2053" name="Picture 5"/>
           <p:cNvPicPr>
             <a:picLocks noChangeAspect="1" noChangeArrowheads="1"/>
           </p:cNvPicPr>
@@ -4541,8 +4541,8 @@
         </p:blipFill>
         <p:spPr bwMode="auto">
           <a:xfrm>
-            <a:off x="6364157" y="4536732"/>
-            <a:ext cx="2322935" cy="2220151"/>
+            <a:off x="6364157" y="1988840"/>
+            <a:ext cx="2322935" cy="2477112"/>
           </a:xfrm>
           <a:prstGeom prst="rect">
             <a:avLst/>
@@ -4574,14 +4574,42 @@
       </p:pic>
       <p:pic>
         <p:nvPicPr>
-          <p:cNvPr id="2053" name="Picture 5"/>
+          <p:cNvPr id="6" name="Google Shape;150;p22"/>
+          <p:cNvPicPr preferRelativeResize="0"/>
+          <p:nvPr/>
+        </p:nvPicPr>
+        <p:blipFill>
+          <a:blip r:embed="rId3">
+            <a:alphaModFix/>
+          </a:blip>
+          <a:stretch>
+            <a:fillRect/>
+          </a:stretch>
+        </p:blipFill>
+        <p:spPr>
+          <a:xfrm>
+            <a:off x="7764579" y="620688"/>
+            <a:ext cx="1343925" cy="261850"/>
+          </a:xfrm>
+          <a:prstGeom prst="rect">
+            <a:avLst/>
+          </a:prstGeom>
+          <a:noFill/>
+          <a:ln>
+            <a:noFill/>
+          </a:ln>
+        </p:spPr>
+      </p:pic>
+      <p:pic>
+        <p:nvPicPr>
+          <p:cNvPr id="1026" name="Picture 2"/>
           <p:cNvPicPr>
             <a:picLocks noChangeAspect="1" noChangeArrowheads="1"/>
           </p:cNvPicPr>
           <p:nvPr/>
         </p:nvPicPr>
         <p:blipFill>
-          <a:blip r:embed="rId3">
+          <a:blip r:embed="rId4">
             <a:extLst>
               <a:ext uri="{28A0092B-C50C-407E-A947-70E740481C1C}">
                 <a14:useLocalDpi xmlns:a14="http://schemas.microsoft.com/office/drawing/2010/main" val="0"/>
@@ -4595,8 +4623,8 @@
         </p:blipFill>
         <p:spPr bwMode="auto">
           <a:xfrm>
-            <a:off x="6364157" y="1988840"/>
-            <a:ext cx="2322935" cy="2477112"/>
+            <a:off x="6364157" y="4465952"/>
+            <a:ext cx="2322935" cy="2220150"/>
           </a:xfrm>
           <a:prstGeom prst="rect">
             <a:avLst/>
@@ -4624,34 +4652,6 @@
               </a14:hiddenLine>
             </a:ext>
           </a:extLst>
-        </p:spPr>
-      </p:pic>
-      <p:pic>
-        <p:nvPicPr>
-          <p:cNvPr id="6" name="Google Shape;150;p22"/>
-          <p:cNvPicPr preferRelativeResize="0"/>
-          <p:nvPr/>
-        </p:nvPicPr>
-        <p:blipFill>
-          <a:blip r:embed="rId4">
-            <a:alphaModFix/>
-          </a:blip>
-          <a:stretch>
-            <a:fillRect/>
-          </a:stretch>
-        </p:blipFill>
-        <p:spPr>
-          <a:xfrm>
-            <a:off x="7764579" y="620688"/>
-            <a:ext cx="1343925" cy="261850"/>
-          </a:xfrm>
-          <a:prstGeom prst="rect">
-            <a:avLst/>
-          </a:prstGeom>
-          <a:noFill/>
-          <a:ln>
-            <a:noFill/>
-          </a:ln>
         </p:spPr>
       </p:pic>
     </p:spTree>
@@ -5194,11 +5194,7 @@
             </a:r>
             <a:r>
               <a:rPr lang="ru-RU" sz="2000" dirty="0" smtClean="0"/>
-              <a:t> содержит слова/предложения и необходимое стандартное время на их запись, используется </a:t>
-            </a:r>
-            <a:r>
-              <a:rPr lang="ru-RU" sz="2000" dirty="0" smtClean="0"/>
-              <a:t> .</a:t>
+              <a:t> содержит слова/предложения и необходимое стандартное время на их запись, используется  .</a:t>
             </a:r>
             <a:r>
               <a:rPr lang="en-US" sz="2000" dirty="0" err="1"/>
@@ -5399,16 +5395,133 @@
           <a:chExt cx="0" cy="0"/>
         </a:xfrm>
       </p:grpSpPr>
+      <p:sp>
+        <p:nvSpPr>
+          <p:cNvPr id="2" name="Заголовок 1"/>
+          <p:cNvSpPr>
+            <a:spLocks noGrp="1"/>
+          </p:cNvSpPr>
+          <p:nvPr>
+            <p:ph type="title"/>
+          </p:nvPr>
+        </p:nvSpPr>
+        <p:spPr/>
+        <p:txBody>
+          <a:bodyPr>
+            <a:normAutofit/>
+          </a:bodyPr>
+          <a:lstStyle/>
+          <a:p>
+            <a:r>
+              <a:rPr lang="ru-RU" dirty="0" smtClean="0"/>
+              <a:t>Пример работы приложения.</a:t>
+            </a:r>
+            <a:endParaRPr lang="ru-RU" dirty="0"/>
+          </a:p>
+        </p:txBody>
+      </p:sp>
+      <p:sp>
+        <p:nvSpPr>
+          <p:cNvPr id="3" name="Объект 2"/>
+          <p:cNvSpPr>
+            <a:spLocks noGrp="1"/>
+          </p:cNvSpPr>
+          <p:nvPr>
+            <p:ph idx="1"/>
+          </p:nvPr>
+        </p:nvSpPr>
+        <p:spPr>
+          <a:xfrm>
+            <a:off x="457200" y="2249424"/>
+            <a:ext cx="5770984" cy="4325112"/>
+          </a:xfrm>
+        </p:spPr>
+        <p:txBody>
+          <a:bodyPr>
+            <a:normAutofit/>
+          </a:bodyPr>
+          <a:lstStyle/>
+          <a:p>
+            <a:r>
+              <a:rPr lang="ru-RU" sz="2000" dirty="0" smtClean="0"/>
+              <a:t>1) Вводится слово/предложение из текста.</a:t>
+            </a:r>
+          </a:p>
+          <a:p>
+            <a:r>
+              <a:rPr lang="ru-RU" sz="2000" dirty="0" smtClean="0"/>
+              <a:t>2) Если слово/предложение вводится правильно,  добавляются очки, выводится новое слово.</a:t>
+            </a:r>
+          </a:p>
+          <a:p>
+            <a:r>
+              <a:rPr lang="ru-RU" sz="2000" dirty="0" smtClean="0"/>
+              <a:t>3) Если слово/предложение вводится неправильно и время истекает, то количество попыток сокращается на 1, выводится слово, до тех пор пока не останется больше попыток.</a:t>
+            </a:r>
+          </a:p>
+          <a:p>
+            <a:r>
+              <a:rPr lang="ru-RU" sz="2000" dirty="0" smtClean="0"/>
+              <a:t>4) Если нажать на клавишу </a:t>
+            </a:r>
+            <a:r>
+              <a:rPr lang="en-US" sz="2000" dirty="0" smtClean="0"/>
+              <a:t>Esc</a:t>
+            </a:r>
+            <a:r>
+              <a:rPr lang="ru-RU" sz="2000" dirty="0" smtClean="0"/>
+              <a:t>, то таймер остановится. Время возобновится если ещё раз нажать на </a:t>
+            </a:r>
+            <a:r>
+              <a:rPr lang="en-US" sz="2000" dirty="0" smtClean="0"/>
+              <a:t>Esc.</a:t>
+            </a:r>
+            <a:r>
+              <a:rPr lang="ru-RU" sz="2000" dirty="0" smtClean="0"/>
+              <a:t> Вводить слово во время паузы нельзя.</a:t>
+            </a:r>
+            <a:endParaRPr lang="ru-RU" sz="2000" dirty="0"/>
+          </a:p>
+        </p:txBody>
+      </p:sp>
       <p:pic>
         <p:nvPicPr>
-          <p:cNvPr id="2050" name="Picture 2"/>
+          <p:cNvPr id="6" name="Google Shape;150;p22"/>
+          <p:cNvPicPr preferRelativeResize="0"/>
+          <p:nvPr/>
+        </p:nvPicPr>
+        <p:blipFill>
+          <a:blip r:embed="rId2">
+            <a:alphaModFix/>
+          </a:blip>
+          <a:stretch>
+            <a:fillRect/>
+          </a:stretch>
+        </p:blipFill>
+        <p:spPr>
+          <a:xfrm>
+            <a:off x="7764579" y="621117"/>
+            <a:ext cx="1343925" cy="261850"/>
+          </a:xfrm>
+          <a:prstGeom prst="rect">
+            <a:avLst/>
+          </a:prstGeom>
+          <a:noFill/>
+          <a:ln>
+            <a:noFill/>
+          </a:ln>
+        </p:spPr>
+      </p:pic>
+      <p:pic>
+        <p:nvPicPr>
+          <p:cNvPr id="4" name="Picture 2"/>
           <p:cNvPicPr>
             <a:picLocks noChangeAspect="1" noChangeArrowheads="1"/>
           </p:cNvPicPr>
           <p:nvPr/>
         </p:nvPicPr>
         <p:blipFill>
-          <a:blip r:embed="rId2">
+          <a:blip r:embed="rId3">
             <a:extLst>
               <a:ext uri="{28A0092B-C50C-407E-A947-70E740481C1C}">
                 <a14:useLocalDpi xmlns:a14="http://schemas.microsoft.com/office/drawing/2010/main" val="0"/>
@@ -5422,7 +5535,7 @@
         </p:blipFill>
         <p:spPr bwMode="auto">
           <a:xfrm>
-            <a:off x="6300192" y="2192748"/>
+            <a:off x="6300192" y="2420888"/>
             <a:ext cx="2777642" cy="2654737"/>
           </a:xfrm>
           <a:prstGeom prst="rect">
@@ -5451,123 +5564,6 @@
               </a14:hiddenLine>
             </a:ext>
           </a:extLst>
-        </p:spPr>
-      </p:pic>
-      <p:sp>
-        <p:nvSpPr>
-          <p:cNvPr id="2" name="Заголовок 1"/>
-          <p:cNvSpPr>
-            <a:spLocks noGrp="1"/>
-          </p:cNvSpPr>
-          <p:nvPr>
-            <p:ph type="title"/>
-          </p:nvPr>
-        </p:nvSpPr>
-        <p:spPr/>
-        <p:txBody>
-          <a:bodyPr>
-            <a:normAutofit/>
-          </a:bodyPr>
-          <a:lstStyle/>
-          <a:p>
-            <a:r>
-              <a:rPr lang="ru-RU" dirty="0" smtClean="0"/>
-              <a:t>Пример работы приложения.</a:t>
-            </a:r>
-            <a:endParaRPr lang="ru-RU" dirty="0"/>
-          </a:p>
-        </p:txBody>
-      </p:sp>
-      <p:sp>
-        <p:nvSpPr>
-          <p:cNvPr id="3" name="Объект 2"/>
-          <p:cNvSpPr>
-            <a:spLocks noGrp="1"/>
-          </p:cNvSpPr>
-          <p:nvPr>
-            <p:ph idx="1"/>
-          </p:nvPr>
-        </p:nvSpPr>
-        <p:spPr>
-          <a:xfrm>
-            <a:off x="457200" y="2249424"/>
-            <a:ext cx="5770984" cy="4325112"/>
-          </a:xfrm>
-        </p:spPr>
-        <p:txBody>
-          <a:bodyPr>
-            <a:normAutofit/>
-          </a:bodyPr>
-          <a:lstStyle/>
-          <a:p>
-            <a:r>
-              <a:rPr lang="ru-RU" sz="2000" dirty="0" smtClean="0"/>
-              <a:t>1) Вводится слово/предложение из текста.</a:t>
-            </a:r>
-          </a:p>
-          <a:p>
-            <a:r>
-              <a:rPr lang="ru-RU" sz="2000" dirty="0" smtClean="0"/>
-              <a:t>2) Если слово/предложение вводится правильно,  добавляются очки, выводится новое слово.</a:t>
-            </a:r>
-          </a:p>
-          <a:p>
-            <a:r>
-              <a:rPr lang="ru-RU" sz="2000" dirty="0" smtClean="0"/>
-              <a:t>3) Если слово/предложение вводится неправильно и время истекает, то количество попыток сокращается на 1, выводится слово, до тех пор пока не останется больше попыток.</a:t>
-            </a:r>
-          </a:p>
-          <a:p>
-            <a:r>
-              <a:rPr lang="ru-RU" sz="2000" dirty="0" smtClean="0"/>
-              <a:t>4) Если нажать на клавишу </a:t>
-            </a:r>
-            <a:r>
-              <a:rPr lang="en-US" sz="2000" dirty="0" smtClean="0"/>
-              <a:t>Esc</a:t>
-            </a:r>
-            <a:r>
-              <a:rPr lang="ru-RU" sz="2000" dirty="0" smtClean="0"/>
-              <a:t>, то таймер остановится. Время возобновится если ещё раз нажать на </a:t>
-            </a:r>
-            <a:r>
-              <a:rPr lang="en-US" sz="2000" dirty="0" smtClean="0"/>
-              <a:t>Esc.</a:t>
-            </a:r>
-            <a:r>
-              <a:rPr lang="ru-RU" sz="2000" dirty="0" smtClean="0"/>
-              <a:t> Вводить слово во время паузы нельзя.</a:t>
-            </a:r>
-            <a:endParaRPr lang="ru-RU" sz="2000" dirty="0"/>
-          </a:p>
-        </p:txBody>
-      </p:sp>
-      <p:pic>
-        <p:nvPicPr>
-          <p:cNvPr id="6" name="Google Shape;150;p22"/>
-          <p:cNvPicPr preferRelativeResize="0"/>
-          <p:nvPr/>
-        </p:nvPicPr>
-        <p:blipFill>
-          <a:blip r:embed="rId3">
-            <a:alphaModFix/>
-          </a:blip>
-          <a:stretch>
-            <a:fillRect/>
-          </a:stretch>
-        </p:blipFill>
-        <p:spPr>
-          <a:xfrm>
-            <a:off x="7764579" y="621117"/>
-            <a:ext cx="1343925" cy="261850"/>
-          </a:xfrm>
-          <a:prstGeom prst="rect">
-            <a:avLst/>
-          </a:prstGeom>
-          <a:noFill/>
-          <a:ln>
-            <a:noFill/>
-          </a:ln>
         </p:spPr>
       </p:pic>
     </p:spTree>
@@ -5673,6 +5669,12 @@
               <a:rPr lang="ru-RU" sz="2000" dirty="0" smtClean="0"/>
               <a:t>.</a:t>
             </a:r>
+          </a:p>
+          <a:p>
+            <a:r>
+              <a:rPr lang="ru-RU" sz="2000" dirty="0" smtClean="0"/>
+              <a:t>3) Делать строки в вводе, если предложение слишком большое.</a:t>
+            </a:r>
             <a:endParaRPr lang="ru-RU" sz="2000" dirty="0"/>
           </a:p>
         </p:txBody>
@@ -5810,6 +5812,13 @@
   <p:clrMapOvr>
     <a:masterClrMapping/>
   </p:clrMapOvr>
+  <p:timing>
+    <p:tnLst>
+      <p:par>
+        <p:cTn id="1" dur="indefinite" restart="never" nodeType="tmRoot"/>
+      </p:par>
+    </p:tnLst>
+  </p:timing>
 </p:sld>
 </file>
 
